--- a/Documentação/UserStories/UserStoriesProfessor.pptx
+++ b/Documentação/UserStories/UserStoriesProfessor.pptx
@@ -445,7 +445,7 @@
             <a:fld id="{B61BEF0D-F0BB-DE4B-95CE-6DB70DBA9567}" type="datetimeFigureOut">
               <a:rPr lang="en-US" dirty="0"/>
               <a:pPr/>
-              <a:t>4/11/2020</a:t>
+              <a:t>5/1/2020</a:t>
             </a:fld>
             <a:endParaRPr lang="en-US" dirty="0"/>
           </a:p>
@@ -498,7 +498,7 @@
             <a:fld id="{D57F1E4F-1CFF-5643-939E-217C01CDF565}" type="slidenum">
               <a:rPr lang="en-US" dirty="0"/>
               <a:pPr/>
-              <a:t>‹nº›</a:t>
+              <a:t>‹#›</a:t>
             </a:fld>
             <a:endParaRPr lang="en-US" dirty="0"/>
           </a:p>
@@ -766,7 +766,7 @@
             <a:fld id="{B61BEF0D-F0BB-DE4B-95CE-6DB70DBA9567}" type="datetimeFigureOut">
               <a:rPr lang="en-US" dirty="0"/>
               <a:pPr/>
-              <a:t>4/11/2020</a:t>
+              <a:t>5/1/2020</a:t>
             </a:fld>
             <a:endParaRPr lang="en-US" dirty="0"/>
           </a:p>
@@ -809,7 +809,7 @@
             <a:fld id="{D57F1E4F-1CFF-5643-939E-217C01CDF565}" type="slidenum">
               <a:rPr lang="en-US" dirty="0"/>
               <a:pPr/>
-              <a:t>‹nº›</a:t>
+              <a:t>‹#›</a:t>
             </a:fld>
             <a:endParaRPr lang="en-US" dirty="0"/>
           </a:p>
@@ -1011,7 +1011,7 @@
             <a:fld id="{B61BEF0D-F0BB-DE4B-95CE-6DB70DBA9567}" type="datetimeFigureOut">
               <a:rPr lang="en-US" dirty="0"/>
               <a:pPr/>
-              <a:t>4/11/2020</a:t>
+              <a:t>5/1/2020</a:t>
             </a:fld>
             <a:endParaRPr lang="en-US" dirty="0"/>
           </a:p>
@@ -1054,7 +1054,7 @@
             <a:fld id="{D57F1E4F-1CFF-5643-939E-217C01CDF565}" type="slidenum">
               <a:rPr lang="en-US" dirty="0"/>
               <a:pPr/>
-              <a:t>‹nº›</a:t>
+              <a:t>‹#›</a:t>
             </a:fld>
             <a:endParaRPr lang="en-US" dirty="0"/>
           </a:p>
@@ -1347,7 +1347,7 @@
             <a:fld id="{B61BEF0D-F0BB-DE4B-95CE-6DB70DBA9567}" type="datetimeFigureOut">
               <a:rPr lang="en-US" dirty="0"/>
               <a:pPr/>
-              <a:t>4/11/2020</a:t>
+              <a:t>5/1/2020</a:t>
             </a:fld>
             <a:endParaRPr lang="en-US" dirty="0"/>
           </a:p>
@@ -1390,7 +1390,7 @@
             <a:fld id="{D57F1E4F-1CFF-5643-939E-217C01CDF565}" type="slidenum">
               <a:rPr lang="en-US" dirty="0"/>
               <a:pPr/>
-              <a:t>‹nº›</a:t>
+              <a:t>‹#›</a:t>
             </a:fld>
             <a:endParaRPr lang="en-US" dirty="0"/>
           </a:p>
@@ -1691,7 +1691,7 @@
             <a:fld id="{B61BEF0D-F0BB-DE4B-95CE-6DB70DBA9567}" type="datetimeFigureOut">
               <a:rPr lang="en-US" dirty="0"/>
               <a:pPr/>
-              <a:t>4/11/2020</a:t>
+              <a:t>5/1/2020</a:t>
             </a:fld>
             <a:endParaRPr lang="en-US" dirty="0"/>
           </a:p>
@@ -1734,7 +1734,7 @@
             <a:fld id="{D57F1E4F-1CFF-5643-939E-217C01CDF565}" type="slidenum">
               <a:rPr lang="en-US" dirty="0"/>
               <a:pPr/>
-              <a:t>‹nº›</a:t>
+              <a:t>‹#›</a:t>
             </a:fld>
             <a:endParaRPr lang="en-US" dirty="0"/>
           </a:p>
@@ -2062,7 +2062,7 @@
             <a:fld id="{B61BEF0D-F0BB-DE4B-95CE-6DB70DBA9567}" type="datetimeFigureOut">
               <a:rPr lang="en-US" dirty="0"/>
               <a:pPr/>
-              <a:t>4/11/2020</a:t>
+              <a:t>5/1/2020</a:t>
             </a:fld>
             <a:endParaRPr lang="en-US" dirty="0"/>
           </a:p>
@@ -2105,7 +2105,7 @@
             <a:fld id="{D57F1E4F-1CFF-5643-939E-217C01CDF565}" type="slidenum">
               <a:rPr lang="en-US" dirty="0"/>
               <a:pPr/>
-              <a:t>‹nº›</a:t>
+              <a:t>‹#›</a:t>
             </a:fld>
             <a:endParaRPr lang="en-US" dirty="0"/>
           </a:p>
@@ -2529,7 +2529,7 @@
             <a:fld id="{B61BEF0D-F0BB-DE4B-95CE-6DB70DBA9567}" type="datetimeFigureOut">
               <a:rPr lang="en-US" dirty="0"/>
               <a:pPr/>
-              <a:t>4/11/2020</a:t>
+              <a:t>5/1/2020</a:t>
             </a:fld>
             <a:endParaRPr lang="en-US" dirty="0"/>
           </a:p>
@@ -2572,7 +2572,7 @@
             <a:fld id="{D57F1E4F-1CFF-5643-939E-217C01CDF565}" type="slidenum">
               <a:rPr lang="en-US" dirty="0"/>
               <a:pPr/>
-              <a:t>‹nº›</a:t>
+              <a:t>‹#›</a:t>
             </a:fld>
             <a:endParaRPr lang="en-US" dirty="0"/>
           </a:p>
@@ -2731,7 +2731,7 @@
             <a:fld id="{B61BEF0D-F0BB-DE4B-95CE-6DB70DBA9567}" type="datetimeFigureOut">
               <a:rPr lang="en-US" dirty="0"/>
               <a:pPr/>
-              <a:t>4/11/2020</a:t>
+              <a:t>5/1/2020</a:t>
             </a:fld>
             <a:endParaRPr lang="en-US" dirty="0"/>
           </a:p>
@@ -2774,7 +2774,7 @@
             <a:fld id="{D57F1E4F-1CFF-5643-939E-217C01CDF565}" type="slidenum">
               <a:rPr lang="en-US" dirty="0"/>
               <a:pPr/>
-              <a:t>‹nº›</a:t>
+              <a:t>‹#›</a:t>
             </a:fld>
             <a:endParaRPr lang="en-US" dirty="0"/>
           </a:p>
@@ -2939,7 +2939,7 @@
             <a:fld id="{B61BEF0D-F0BB-DE4B-95CE-6DB70DBA9567}" type="datetimeFigureOut">
               <a:rPr lang="en-US" dirty="0"/>
               <a:pPr/>
-              <a:t>4/11/2020</a:t>
+              <a:t>5/1/2020</a:t>
             </a:fld>
             <a:endParaRPr lang="en-US" dirty="0"/>
           </a:p>
@@ -2982,7 +2982,7 @@
             <a:fld id="{D57F1E4F-1CFF-5643-939E-217C01CDF565}" type="slidenum">
               <a:rPr lang="en-US" dirty="0"/>
               <a:pPr/>
-              <a:t>‹nº›</a:t>
+              <a:t>‹#›</a:t>
             </a:fld>
             <a:endParaRPr lang="en-US" dirty="0"/>
           </a:p>
@@ -3167,7 +3167,7 @@
           <a:p>
             <a:fld id="{05BFA754-D5C3-4E66-96A6-867B257F58DC}" type="datetimeFigureOut">
               <a:rPr lang="en-US" dirty="0"/>
-              <a:t>4/11/2020</a:t>
+              <a:t>5/1/2020</a:t>
             </a:fld>
             <a:endParaRPr lang="en-US" dirty="0"/>
           </a:p>
@@ -3209,7 +3209,7 @@
           <a:p>
             <a:fld id="{5D84065D-F351-4B03-BD91-D8A6B8D4B362}" type="slidenum">
               <a:rPr lang="en-US" dirty="0"/>
-              <a:t>‹nº›</a:t>
+              <a:t>‹#›</a:t>
             </a:fld>
             <a:endParaRPr lang="en-US" dirty="0"/>
           </a:p>
@@ -3411,7 +3411,7 @@
             <a:fld id="{B61BEF0D-F0BB-DE4B-95CE-6DB70DBA9567}" type="datetimeFigureOut">
               <a:rPr lang="en-US" dirty="0"/>
               <a:pPr/>
-              <a:t>4/11/2020</a:t>
+              <a:t>5/1/2020</a:t>
             </a:fld>
             <a:endParaRPr lang="en-US" dirty="0"/>
           </a:p>
@@ -3454,7 +3454,7 @@
             <a:fld id="{D57F1E4F-1CFF-5643-939E-217C01CDF565}" type="slidenum">
               <a:rPr lang="en-US" dirty="0"/>
               <a:pPr/>
-              <a:t>‹nº›</a:t>
+              <a:t>‹#›</a:t>
             </a:fld>
             <a:endParaRPr lang="en-US" dirty="0"/>
           </a:p>
@@ -3674,7 +3674,7 @@
           <a:p>
             <a:fld id="{05BFA754-D5C3-4E66-96A6-867B257F58DC}" type="datetimeFigureOut">
               <a:rPr lang="en-US" dirty="0"/>
-              <a:t>4/11/2020</a:t>
+              <a:t>5/1/2020</a:t>
             </a:fld>
             <a:endParaRPr lang="en-US" dirty="0"/>
           </a:p>
@@ -3716,7 +3716,7 @@
           <a:p>
             <a:fld id="{5D84065D-F351-4B03-BD91-D8A6B8D4B362}" type="slidenum">
               <a:rPr lang="en-US" dirty="0"/>
-              <a:t>‹nº›</a:t>
+              <a:t>‹#›</a:t>
             </a:fld>
             <a:endParaRPr lang="en-US" dirty="0"/>
           </a:p>
@@ -4083,7 +4083,7 @@
             <a:fld id="{B61BEF0D-F0BB-DE4B-95CE-6DB70DBA9567}" type="datetimeFigureOut">
               <a:rPr lang="en-US" dirty="0"/>
               <a:pPr/>
-              <a:t>4/11/2020</a:t>
+              <a:t>5/1/2020</a:t>
             </a:fld>
             <a:endParaRPr lang="en-US" dirty="0"/>
           </a:p>
@@ -4126,7 +4126,7 @@
             <a:fld id="{D57F1E4F-1CFF-5643-939E-217C01CDF565}" type="slidenum">
               <a:rPr lang="en-US" dirty="0"/>
               <a:pPr/>
-              <a:t>‹nº›</a:t>
+              <a:t>‹#›</a:t>
             </a:fld>
             <a:endParaRPr lang="en-US" dirty="0"/>
           </a:p>
@@ -4229,7 +4229,7 @@
             <a:fld id="{B61BEF0D-F0BB-DE4B-95CE-6DB70DBA9567}" type="datetimeFigureOut">
               <a:rPr lang="en-US" dirty="0"/>
               <a:pPr/>
-              <a:t>4/11/2020</a:t>
+              <a:t>5/1/2020</a:t>
             </a:fld>
             <a:endParaRPr lang="en-US" dirty="0"/>
           </a:p>
@@ -4272,7 +4272,7 @@
             <a:fld id="{D57F1E4F-1CFF-5643-939E-217C01CDF565}" type="slidenum">
               <a:rPr lang="en-US" dirty="0"/>
               <a:pPr/>
-              <a:t>‹nº›</a:t>
+              <a:t>‹#›</a:t>
             </a:fld>
             <a:endParaRPr lang="en-US" dirty="0"/>
           </a:p>
@@ -4352,7 +4352,7 @@
             <a:fld id="{B61BEF0D-F0BB-DE4B-95CE-6DB70DBA9567}" type="datetimeFigureOut">
               <a:rPr lang="en-US" dirty="0"/>
               <a:pPr/>
-              <a:t>4/11/2020</a:t>
+              <a:t>5/1/2020</a:t>
             </a:fld>
             <a:endParaRPr lang="en-US" dirty="0"/>
           </a:p>
@@ -4395,7 +4395,7 @@
             <a:fld id="{D57F1E4F-1CFF-5643-939E-217C01CDF565}" type="slidenum">
               <a:rPr lang="en-US" dirty="0"/>
               <a:pPr/>
-              <a:t>‹nº›</a:t>
+              <a:t>‹#›</a:t>
             </a:fld>
             <a:endParaRPr lang="en-US" dirty="0"/>
           </a:p>
@@ -4604,7 +4604,7 @@
             <a:fld id="{B61BEF0D-F0BB-DE4B-95CE-6DB70DBA9567}" type="datetimeFigureOut">
               <a:rPr lang="en-US" dirty="0"/>
               <a:pPr/>
-              <a:t>4/11/2020</a:t>
+              <a:t>5/1/2020</a:t>
             </a:fld>
             <a:endParaRPr lang="en-US" dirty="0"/>
           </a:p>
@@ -4647,7 +4647,7 @@
             <a:fld id="{D57F1E4F-1CFF-5643-939E-217C01CDF565}" type="slidenum">
               <a:rPr lang="en-US" dirty="0"/>
               <a:pPr/>
-              <a:t>‹nº›</a:t>
+              <a:t>‹#›</a:t>
             </a:fld>
             <a:endParaRPr lang="en-US" dirty="0"/>
           </a:p>
@@ -4916,7 +4916,7 @@
             <a:fld id="{B61BEF0D-F0BB-DE4B-95CE-6DB70DBA9567}" type="datetimeFigureOut">
               <a:rPr lang="en-US" dirty="0"/>
               <a:pPr/>
-              <a:t>4/11/2020</a:t>
+              <a:t>5/1/2020</a:t>
             </a:fld>
             <a:endParaRPr lang="en-US" dirty="0"/>
           </a:p>
@@ -4959,7 +4959,7 @@
             <a:fld id="{D57F1E4F-1CFF-5643-939E-217C01CDF565}" type="slidenum">
               <a:rPr lang="en-US" dirty="0"/>
               <a:pPr/>
-              <a:t>‹nº›</a:t>
+              <a:t>‹#›</a:t>
             </a:fld>
             <a:endParaRPr lang="en-US" dirty="0"/>
           </a:p>
@@ -5264,7 +5264,7 @@
             <a:fld id="{B61BEF0D-F0BB-DE4B-95CE-6DB70DBA9567}" type="datetimeFigureOut">
               <a:rPr lang="en-US" dirty="0"/>
               <a:pPr/>
-              <a:t>4/11/2020</a:t>
+              <a:t>5/1/2020</a:t>
             </a:fld>
             <a:endParaRPr lang="en-US" dirty="0"/>
           </a:p>
@@ -5343,7 +5343,7 @@
             <a:fld id="{D57F1E4F-1CFF-5643-939E-217C01CDF565}" type="slidenum">
               <a:rPr lang="en-US" dirty="0"/>
               <a:pPr/>
-              <a:t>‹nº›</a:t>
+              <a:t>‹#›</a:t>
             </a:fld>
             <a:endParaRPr lang="en-US" dirty="0"/>
           </a:p>
@@ -5844,40 +5844,16 @@
           <a:p>
             <a:pPr algn="ctr"/>
             <a:r>
-              <a:rPr lang="pt-BR" sz="2800" dirty="0">
+              <a:rPr lang="pt-BR" sz="2800">
                 <a:latin typeface="Arial" panose="020B0604020202020204" pitchFamily="34" charset="0"/>
                 <a:cs typeface="Arial" panose="020B0604020202020204" pitchFamily="34" charset="0"/>
               </a:rPr>
-              <a:t>Eu, como </a:t>
-            </a:r>
-            <a:r>
-              <a:rPr lang="pt-BR" sz="2800" b="1" dirty="0">
-                <a:latin typeface="Arial" panose="020B0604020202020204" pitchFamily="34" charset="0"/>
-                <a:cs typeface="Arial" panose="020B0604020202020204" pitchFamily="34" charset="0"/>
-              </a:rPr>
-              <a:t>Professor, </a:t>
-            </a:r>
-            <a:r>
-              <a:rPr lang="pt-BR" sz="2800" dirty="0">
-                <a:latin typeface="Arial" panose="020B0604020202020204" pitchFamily="34" charset="0"/>
-                <a:cs typeface="Arial" panose="020B0604020202020204" pitchFamily="34" charset="0"/>
-              </a:rPr>
-              <a:t>gostaria de uma melhor organização das maquinas </a:t>
-            </a:r>
-            <a:r>
-              <a:rPr lang="pt-BR" sz="2800" b="1" dirty="0">
-                <a:latin typeface="Arial" panose="020B0604020202020204" pitchFamily="34" charset="0"/>
-                <a:cs typeface="Arial" panose="020B0604020202020204" pitchFamily="34" charset="0"/>
-              </a:rPr>
-              <a:t>para</a:t>
-            </a:r>
-            <a:r>
-              <a:rPr lang="pt-BR" sz="2800" dirty="0">
-                <a:latin typeface="Arial" panose="020B0604020202020204" pitchFamily="34" charset="0"/>
-                <a:cs typeface="Arial" panose="020B0604020202020204" pitchFamily="34" charset="0"/>
-              </a:rPr>
-              <a:t> não ter atraso com maquinas falhas.</a:t>
-            </a:r>
+              <a:t>Eu, como Professor, gostaria de uma melhor organização das maquinas para não ter atraso com maquinas falhas.</a:t>
+            </a:r>
+            <a:endParaRPr lang="pt-BR" sz="2800" dirty="0">
+              <a:latin typeface="Arial" panose="020B0604020202020204" pitchFamily="34" charset="0"/>
+              <a:cs typeface="Arial" panose="020B0604020202020204" pitchFamily="34" charset="0"/>
+            </a:endParaRPr>
           </a:p>
         </p:txBody>
       </p:sp>
@@ -5926,35 +5902,7 @@
                 <a:latin typeface="Arial" panose="020B0604020202020204" pitchFamily="34" charset="0"/>
                 <a:cs typeface="Arial" panose="020B0604020202020204" pitchFamily="34" charset="0"/>
               </a:rPr>
-              <a:t>Eu, como </a:t>
-            </a:r>
-            <a:r>
-              <a:rPr lang="pt-BR" sz="2800" b="1" dirty="0">
-                <a:latin typeface="Arial" panose="020B0604020202020204" pitchFamily="34" charset="0"/>
-                <a:cs typeface="Arial" panose="020B0604020202020204" pitchFamily="34" charset="0"/>
-              </a:rPr>
-              <a:t>Professor, </a:t>
-            </a:r>
-            <a:r>
-              <a:rPr lang="pt-BR" sz="2800" dirty="0">
-                <a:latin typeface="Arial" panose="020B0604020202020204" pitchFamily="34" charset="0"/>
-                <a:cs typeface="Arial" panose="020B0604020202020204" pitchFamily="34" charset="0"/>
-              </a:rPr>
-              <a:t>preciso da ajuda dos alunos </a:t>
-            </a:r>
-            <a:r>
-              <a:rPr lang="pt-BR" sz="2800" b="1" dirty="0">
-                <a:latin typeface="Arial" panose="020B0604020202020204" pitchFamily="34" charset="0"/>
-                <a:cs typeface="Arial" panose="020B0604020202020204" pitchFamily="34" charset="0"/>
-              </a:rPr>
-              <a:t>para</a:t>
-            </a:r>
-            <a:r>
-              <a:rPr lang="pt-BR" sz="2800" dirty="0">
-                <a:latin typeface="Arial" panose="020B0604020202020204" pitchFamily="34" charset="0"/>
-                <a:cs typeface="Arial" panose="020B0604020202020204" pitchFamily="34" charset="0"/>
-              </a:rPr>
-              <a:t> manter a vida útil das maquinas.</a:t>
+              <a:t>Eu, como Professor, preciso da ajuda dos alunos para manter a vida útil das maquinas.</a:t>
             </a:r>
           </a:p>
         </p:txBody>
@@ -6000,40 +5948,16 @@
           <a:p>
             <a:pPr algn="ctr"/>
             <a:r>
-              <a:rPr lang="pt-BR" sz="2800" dirty="0">
+              <a:rPr lang="pt-BR" sz="2800">
                 <a:latin typeface="Arial" panose="020B0604020202020204" pitchFamily="34" charset="0"/>
                 <a:cs typeface="Arial" panose="020B0604020202020204" pitchFamily="34" charset="0"/>
               </a:rPr>
-              <a:t>Eu, como </a:t>
-            </a:r>
-            <a:r>
-              <a:rPr lang="pt-BR" sz="2800" b="1" dirty="0">
-                <a:latin typeface="Arial" panose="020B0604020202020204" pitchFamily="34" charset="0"/>
-                <a:cs typeface="Arial" panose="020B0604020202020204" pitchFamily="34" charset="0"/>
-              </a:rPr>
-              <a:t>Professor,</a:t>
-            </a:r>
-            <a:r>
-              <a:rPr lang="pt-BR" sz="2800" dirty="0">
-                <a:latin typeface="Arial" panose="020B0604020202020204" pitchFamily="34" charset="0"/>
-                <a:cs typeface="Arial" panose="020B0604020202020204" pitchFamily="34" charset="0"/>
-              </a:rPr>
-              <a:t> quero que meus alunos prestem atenção na aula </a:t>
-            </a:r>
-            <a:r>
-              <a:rPr lang="pt-BR" sz="2800" b="1" dirty="0">
-                <a:latin typeface="Arial" panose="020B0604020202020204" pitchFamily="34" charset="0"/>
-                <a:cs typeface="Arial" panose="020B0604020202020204" pitchFamily="34" charset="0"/>
-              </a:rPr>
-              <a:t>para</a:t>
-            </a:r>
-            <a:r>
-              <a:rPr lang="pt-BR" sz="2800" dirty="0">
-                <a:latin typeface="Arial" panose="020B0604020202020204" pitchFamily="34" charset="0"/>
-                <a:cs typeface="Arial" panose="020B0604020202020204" pitchFamily="34" charset="0"/>
-              </a:rPr>
-              <a:t> ninguém se atrasar na matéria.</a:t>
-            </a:r>
+              <a:t>Eu, como Professor, quero que meus alunos prestem atenção na aula para ninguém se atrasar na matéria.</a:t>
+            </a:r>
+            <a:endParaRPr lang="pt-BR" sz="2800" dirty="0">
+              <a:latin typeface="Arial" panose="020B0604020202020204" pitchFamily="34" charset="0"/>
+              <a:cs typeface="Arial" panose="020B0604020202020204" pitchFamily="34" charset="0"/>
+            </a:endParaRPr>
           </a:p>
         </p:txBody>
       </p:sp>
@@ -6077,51 +6001,13 @@
           <a:lstStyle/>
           <a:p>
             <a:pPr algn="ctr"/>
-            <a:endParaRPr lang="pt-BR" sz="2800" dirty="0">
-              <a:latin typeface="Arial" panose="020B0604020202020204" pitchFamily="34" charset="0"/>
-              <a:cs typeface="Arial" panose="020B0604020202020204" pitchFamily="34" charset="0"/>
-            </a:endParaRPr>
-          </a:p>
-          <a:p>
-            <a:pPr algn="ctr"/>
-            <a:r>
-              <a:rPr lang="pt-BR" sz="2800" dirty="0">
+            <a:r>
+              <a:rPr lang="pt-BR" sz="2800">
                 <a:latin typeface="Arial" panose="020B0604020202020204" pitchFamily="34" charset="0"/>
                 <a:cs typeface="Arial" panose="020B0604020202020204" pitchFamily="34" charset="0"/>
               </a:rPr>
-              <a:t>Eu, como </a:t>
-            </a:r>
-            <a:r>
-              <a:rPr lang="pt-BR" sz="2800" b="1" dirty="0">
-                <a:latin typeface="Arial" panose="020B0604020202020204" pitchFamily="34" charset="0"/>
-                <a:cs typeface="Arial" panose="020B0604020202020204" pitchFamily="34" charset="0"/>
-              </a:rPr>
-              <a:t>Professor, </a:t>
-            </a:r>
-            <a:r>
-              <a:rPr lang="pt-BR" sz="2800" dirty="0">
-                <a:latin typeface="Arial" panose="020B0604020202020204" pitchFamily="34" charset="0"/>
-                <a:cs typeface="Arial" panose="020B0604020202020204" pitchFamily="34" charset="0"/>
-              </a:rPr>
-              <a:t>preciso de mais tempo para as atividades </a:t>
-            </a:r>
-            <a:r>
-              <a:rPr lang="pt-BR" sz="2800" b="1" dirty="0">
-                <a:latin typeface="Arial" panose="020B0604020202020204" pitchFamily="34" charset="0"/>
-                <a:cs typeface="Arial" panose="020B0604020202020204" pitchFamily="34" charset="0"/>
-              </a:rPr>
-              <a:t>para </a:t>
-            </a:r>
-            <a:r>
-              <a:rPr lang="pt-BR" sz="2800" dirty="0">
-                <a:latin typeface="Arial" panose="020B0604020202020204" pitchFamily="34" charset="0"/>
-                <a:cs typeface="Arial" panose="020B0604020202020204" pitchFamily="34" charset="0"/>
-              </a:rPr>
-              <a:t> que não tenha nenhum atraso no avanço da matéria</a:t>
-            </a:r>
-          </a:p>
-          <a:p>
-            <a:pPr algn="ctr"/>
+              <a:t>Eu, como Professor, preciso que não haja atraso nas aulas para não impedir o avanço do conteúdo da disciplina.</a:t>
+            </a:r>
             <a:endParaRPr lang="pt-BR" sz="2800" dirty="0">
               <a:latin typeface="Arial" panose="020B0604020202020204" pitchFamily="34" charset="0"/>
               <a:cs typeface="Arial" panose="020B0604020202020204" pitchFamily="34" charset="0"/>
@@ -6204,35 +6090,7 @@
                 <a:latin typeface="Arial" panose="020B0604020202020204" pitchFamily="34" charset="0"/>
                 <a:cs typeface="Arial" panose="020B0604020202020204" pitchFamily="34" charset="0"/>
               </a:rPr>
-              <a:t>Eu, como </a:t>
-            </a:r>
-            <a:r>
-              <a:rPr lang="pt-BR" sz="2800" b="1" dirty="0">
-                <a:latin typeface="Arial" panose="020B0604020202020204" pitchFamily="34" charset="0"/>
-                <a:cs typeface="Arial" panose="020B0604020202020204" pitchFamily="34" charset="0"/>
-              </a:rPr>
-              <a:t>Professor, </a:t>
-            </a:r>
-            <a:r>
-              <a:rPr lang="pt-BR" sz="2800" dirty="0">
-                <a:latin typeface="Arial" panose="020B0604020202020204" pitchFamily="34" charset="0"/>
-                <a:cs typeface="Arial" panose="020B0604020202020204" pitchFamily="34" charset="0"/>
-              </a:rPr>
-              <a:t>preciso de mais tempo para as atividades </a:t>
-            </a:r>
-            <a:r>
-              <a:rPr lang="pt-BR" sz="2800" b="1" dirty="0">
-                <a:latin typeface="Arial" panose="020B0604020202020204" pitchFamily="34" charset="0"/>
-                <a:cs typeface="Arial" panose="020B0604020202020204" pitchFamily="34" charset="0"/>
-              </a:rPr>
-              <a:t>para </a:t>
-            </a:r>
-            <a:r>
-              <a:rPr lang="pt-BR" sz="2800" dirty="0">
-                <a:latin typeface="Arial" panose="020B0604020202020204" pitchFamily="34" charset="0"/>
-                <a:cs typeface="Arial" panose="020B0604020202020204" pitchFamily="34" charset="0"/>
-              </a:rPr>
-              <a:t> que não tenha nenhum atraso no avanço da matéria;</a:t>
+              <a:t> Eu, como Professor, preciso de ajuda nas minhas aulas para que todos aprendam a matéria com êxito. </a:t>
             </a:r>
           </a:p>
         </p:txBody>
@@ -6277,62 +6135,10 @@
           <a:lstStyle/>
           <a:p>
             <a:pPr algn="ctr"/>
-            <a:r>
-              <a:rPr lang="pt-BR" sz="2800">
-                <a:latin typeface="Arial" panose="020B0604020202020204" pitchFamily="34" charset="0"/>
-                <a:cs typeface="Arial" panose="020B0604020202020204" pitchFamily="34" charset="0"/>
-              </a:rPr>
-              <a:t>  Eu</a:t>
-            </a:r>
-            <a:r>
-              <a:rPr lang="pt-BR" sz="2800" dirty="0">
-                <a:latin typeface="Arial" panose="020B0604020202020204" pitchFamily="34" charset="0"/>
-                <a:cs typeface="Arial" panose="020B0604020202020204" pitchFamily="34" charset="0"/>
-              </a:rPr>
-              <a:t>, </a:t>
-            </a:r>
-            <a:r>
-              <a:rPr lang="pt-BR" sz="2800">
-                <a:latin typeface="Arial" panose="020B0604020202020204" pitchFamily="34" charset="0"/>
-                <a:cs typeface="Arial" panose="020B0604020202020204" pitchFamily="34" charset="0"/>
-              </a:rPr>
-              <a:t>como </a:t>
-            </a:r>
-            <a:r>
-              <a:rPr lang="pt-BR" sz="2800" b="1">
-                <a:latin typeface="Arial" panose="020B0604020202020204" pitchFamily="34" charset="0"/>
-                <a:cs typeface="Arial" panose="020B0604020202020204" pitchFamily="34" charset="0"/>
-              </a:rPr>
-              <a:t>Professor,</a:t>
-            </a:r>
-            <a:r>
-              <a:rPr lang="pt-BR" sz="2800">
-                <a:latin typeface="Arial" panose="020B0604020202020204" pitchFamily="34" charset="0"/>
-                <a:cs typeface="Arial" panose="020B0604020202020204" pitchFamily="34" charset="0"/>
-              </a:rPr>
-              <a:t> </a:t>
-            </a:r>
-            <a:r>
-              <a:rPr lang="pt-BR" sz="2800" dirty="0">
-                <a:latin typeface="Arial" panose="020B0604020202020204" pitchFamily="34" charset="0"/>
-                <a:cs typeface="Arial" panose="020B0604020202020204" pitchFamily="34" charset="0"/>
-              </a:rPr>
-              <a:t>preciso de ajuda nas minhas aulas </a:t>
-            </a:r>
-            <a:r>
-              <a:rPr lang="pt-BR" sz="2800" b="1" dirty="0">
-                <a:latin typeface="Arial" panose="020B0604020202020204" pitchFamily="34" charset="0"/>
-                <a:cs typeface="Arial" panose="020B0604020202020204" pitchFamily="34" charset="0"/>
-              </a:rPr>
-              <a:t>para</a:t>
-            </a:r>
-            <a:r>
-              <a:rPr lang="pt-BR" sz="2800" dirty="0">
-                <a:latin typeface="Arial" panose="020B0604020202020204" pitchFamily="34" charset="0"/>
-                <a:cs typeface="Arial" panose="020B0604020202020204" pitchFamily="34" charset="0"/>
-              </a:rPr>
-              <a:t> que todos aprendam a matéria com êxito. </a:t>
-            </a:r>
+            <a:endParaRPr lang="pt-BR" sz="2800" dirty="0">
+              <a:latin typeface="Arial" panose="020B0604020202020204" pitchFamily="34" charset="0"/>
+              <a:cs typeface="Arial" panose="020B0604020202020204" pitchFamily="34" charset="0"/>
+            </a:endParaRPr>
           </a:p>
         </p:txBody>
       </p:sp>
@@ -6677,12 +6483,9 @@
 </file>
 
 <file path=customXml/item1.xml><?xml version="1.0" encoding="utf-8"?>
-<?mso-contentType ?>
-<FormTemplates xmlns="http://schemas.microsoft.com/sharepoint/v3/contenttype/forms">
-  <Display>DocumentLibraryForm</Display>
-  <Edit>DocumentLibraryForm</Edit>
-  <New>DocumentLibraryForm</New>
-</FormTemplates>
+<p:properties xmlns:p="http://schemas.microsoft.com/office/2006/metadata/properties" xmlns:xsi="http://www.w3.org/2001/XMLSchema-instance" xmlns:pc="http://schemas.microsoft.com/office/infopath/2007/PartnerControls">
+  <documentManagement/>
+</p:properties>
 </file>
 
 <file path=customXml/item2.xml><?xml version="1.0" encoding="utf-8"?>
@@ -6818,15 +6621,26 @@
 </file>
 
 <file path=customXml/item3.xml><?xml version="1.0" encoding="utf-8"?>
-<p:properties xmlns:p="http://schemas.microsoft.com/office/2006/metadata/properties" xmlns:xsi="http://www.w3.org/2001/XMLSchema-instance" xmlns:pc="http://schemas.microsoft.com/office/infopath/2007/PartnerControls">
-  <documentManagement/>
-</p:properties>
+<?mso-contentType ?>
+<FormTemplates xmlns="http://schemas.microsoft.com/sharepoint/v3/contenttype/forms">
+  <Display>DocumentLibraryForm</Display>
+  <Edit>DocumentLibraryForm</Edit>
+  <New>DocumentLibraryForm</New>
+</FormTemplates>
 </file>
 
 <file path=customXml/itemProps1.xml><?xml version="1.0" encoding="utf-8"?>
-<ds:datastoreItem xmlns:ds="http://schemas.openxmlformats.org/officeDocument/2006/customXml" ds:itemID="{600157F8-0B09-46B5-8179-378DD95FA831}">
+<ds:datastoreItem xmlns:ds="http://schemas.openxmlformats.org/officeDocument/2006/customXml" ds:itemID="{D5D52712-8992-4CFC-A2D1-7DF52E18C1DF}">
   <ds:schemaRefs>
-    <ds:schemaRef ds:uri="http://schemas.microsoft.com/sharepoint/v3/contenttype/forms"/>
+    <ds:schemaRef ds:uri="http://purl.org/dc/dcmitype/"/>
+    <ds:schemaRef ds:uri="http://schemas.microsoft.com/office/infopath/2007/PartnerControls"/>
+    <ds:schemaRef ds:uri="http://purl.org/dc/elements/1.1/"/>
+    <ds:schemaRef ds:uri="93aadb1b-f078-425f-a07f-e2cc4bed1fef"/>
+    <ds:schemaRef ds:uri="http://schemas.microsoft.com/office/2006/documentManagement/types"/>
+    <ds:schemaRef ds:uri="http://www.w3.org/XML/1998/namespace"/>
+    <ds:schemaRef ds:uri="http://purl.org/dc/terms/"/>
+    <ds:schemaRef ds:uri="http://schemas.openxmlformats.org/package/2006/metadata/core-properties"/>
+    <ds:schemaRef ds:uri="http://schemas.microsoft.com/office/2006/metadata/properties"/>
   </ds:schemaRefs>
 </ds:datastoreItem>
 </file>
@@ -6850,17 +6664,9 @@
 </file>
 
 <file path=customXml/itemProps3.xml><?xml version="1.0" encoding="utf-8"?>
-<ds:datastoreItem xmlns:ds="http://schemas.openxmlformats.org/officeDocument/2006/customXml" ds:itemID="{D5D52712-8992-4CFC-A2D1-7DF52E18C1DF}">
+<ds:datastoreItem xmlns:ds="http://schemas.openxmlformats.org/officeDocument/2006/customXml" ds:itemID="{600157F8-0B09-46B5-8179-378DD95FA831}">
   <ds:schemaRefs>
-    <ds:schemaRef ds:uri="http://purl.org/dc/dcmitype/"/>
-    <ds:schemaRef ds:uri="http://schemas.microsoft.com/office/infopath/2007/PartnerControls"/>
-    <ds:schemaRef ds:uri="http://purl.org/dc/elements/1.1/"/>
-    <ds:schemaRef ds:uri="93aadb1b-f078-425f-a07f-e2cc4bed1fef"/>
-    <ds:schemaRef ds:uri="http://schemas.microsoft.com/office/2006/documentManagement/types"/>
-    <ds:schemaRef ds:uri="http://www.w3.org/XML/1998/namespace"/>
-    <ds:schemaRef ds:uri="http://purl.org/dc/terms/"/>
-    <ds:schemaRef ds:uri="http://schemas.openxmlformats.org/package/2006/metadata/core-properties"/>
-    <ds:schemaRef ds:uri="http://schemas.microsoft.com/office/2006/metadata/properties"/>
+    <ds:schemaRef ds:uri="http://schemas.microsoft.com/sharepoint/v3/contenttype/forms"/>
   </ds:schemaRefs>
 </ds:datastoreItem>
 </file>